--- a/PM/09-Erste Zwischenpräsentation Unterrichtsprojekt_FridgeMinder.pptx
+++ b/PM/09-Erste Zwischenpräsentation Unterrichtsprojekt_FridgeMinder.pptx
@@ -6383,7 +6383,7 @@
           <a:p>
             <a:fld id="{4F9EF887-CB7E-4CB1-9139-1C9DD39D59BC}" type="slidenum">
               <a:rPr lang="en-US" smtClean="0"/>
-              <a:t>‹Nr.›</a:t>
+              <a:t>‹#›</a:t>
             </a:fld>
             <a:endParaRPr lang="en-US"/>
           </a:p>
@@ -6583,7 +6583,7 @@
           <a:p>
             <a:fld id="{4F9EF887-CB7E-4CB1-9139-1C9DD39D59BC}" type="slidenum">
               <a:rPr lang="en-US" smtClean="0"/>
-              <a:t>‹Nr.›</a:t>
+              <a:t>‹#›</a:t>
             </a:fld>
             <a:endParaRPr lang="en-US"/>
           </a:p>
@@ -6793,7 +6793,7 @@
           <a:p>
             <a:fld id="{4F9EF887-CB7E-4CB1-9139-1C9DD39D59BC}" type="slidenum">
               <a:rPr lang="en-US" smtClean="0"/>
-              <a:t>‹Nr.›</a:t>
+              <a:t>‹#›</a:t>
             </a:fld>
             <a:endParaRPr lang="en-US"/>
           </a:p>
@@ -6879,7 +6879,7 @@
           <a:p>
             <a:fld id="{2382227F-2E40-4252-8351-690E57A00F2D}" type="slidenum">
               <a:rPr lang="en-GB" smtClean="0"/>
-              <a:t>‹Nr.›</a:t>
+              <a:t>‹#›</a:t>
             </a:fld>
             <a:endParaRPr lang="en-GB" dirty="0"/>
           </a:p>
@@ -7259,7 +7259,7 @@
           <a:p>
             <a:fld id="{4F9EF887-CB7E-4CB1-9139-1C9DD39D59BC}" type="slidenum">
               <a:rPr lang="en-US" smtClean="0"/>
-              <a:t>‹Nr.›</a:t>
+              <a:t>‹#›</a:t>
             </a:fld>
             <a:endParaRPr lang="en-US"/>
           </a:p>
@@ -7535,7 +7535,7 @@
           <a:p>
             <a:fld id="{4F9EF887-CB7E-4CB1-9139-1C9DD39D59BC}" type="slidenum">
               <a:rPr lang="en-US" smtClean="0"/>
-              <a:t>‹Nr.›</a:t>
+              <a:t>‹#›</a:t>
             </a:fld>
             <a:endParaRPr lang="en-US"/>
           </a:p>
@@ -7803,7 +7803,7 @@
           <a:p>
             <a:fld id="{4F9EF887-CB7E-4CB1-9139-1C9DD39D59BC}" type="slidenum">
               <a:rPr lang="en-US" smtClean="0"/>
-              <a:t>‹Nr.›</a:t>
+              <a:t>‹#›</a:t>
             </a:fld>
             <a:endParaRPr lang="en-US"/>
           </a:p>
@@ -8218,7 +8218,7 @@
           <a:p>
             <a:fld id="{4F9EF887-CB7E-4CB1-9139-1C9DD39D59BC}" type="slidenum">
               <a:rPr lang="en-US" smtClean="0"/>
-              <a:t>‹Nr.›</a:t>
+              <a:t>‹#›</a:t>
             </a:fld>
             <a:endParaRPr lang="en-US"/>
           </a:p>
@@ -8360,7 +8360,7 @@
           <a:p>
             <a:fld id="{4F9EF887-CB7E-4CB1-9139-1C9DD39D59BC}" type="slidenum">
               <a:rPr lang="en-US" smtClean="0"/>
-              <a:t>‹Nr.›</a:t>
+              <a:t>‹#›</a:t>
             </a:fld>
             <a:endParaRPr lang="en-US"/>
           </a:p>
@@ -8473,7 +8473,7 @@
           <a:p>
             <a:fld id="{4F9EF887-CB7E-4CB1-9139-1C9DD39D59BC}" type="slidenum">
               <a:rPr lang="en-US" smtClean="0"/>
-              <a:t>‹Nr.›</a:t>
+              <a:t>‹#›</a:t>
             </a:fld>
             <a:endParaRPr lang="en-US"/>
           </a:p>
@@ -8786,7 +8786,7 @@
           <a:p>
             <a:fld id="{4F9EF887-CB7E-4CB1-9139-1C9DD39D59BC}" type="slidenum">
               <a:rPr lang="en-US" smtClean="0"/>
-              <a:t>‹Nr.›</a:t>
+              <a:t>‹#›</a:t>
             </a:fld>
             <a:endParaRPr lang="en-US"/>
           </a:p>
@@ -9075,7 +9075,7 @@
           <a:p>
             <a:fld id="{4F9EF887-CB7E-4CB1-9139-1C9DD39D59BC}" type="slidenum">
               <a:rPr lang="en-US" smtClean="0"/>
-              <a:t>‹Nr.›</a:t>
+              <a:t>‹#›</a:t>
             </a:fld>
             <a:endParaRPr lang="en-US"/>
           </a:p>
@@ -9354,7 +9354,7 @@
           <a:p>
             <a:fld id="{4F9EF887-CB7E-4CB1-9139-1C9DD39D59BC}" type="slidenum">
               <a:rPr lang="en-US" smtClean="0"/>
-              <a:t>‹Nr.›</a:t>
+              <a:t>‹#›</a:t>
             </a:fld>
             <a:endParaRPr lang="en-US"/>
           </a:p>
@@ -37351,7 +37351,7 @@
                   <a:schemeClr val="tx2"/>
                 </a:solidFill>
               </a:rPr>
-              <a:t>KI erkennt einige Objekte, die nicht existieren oder die es nicht braucht</a:t>
+              <a:t>KI erkennt einige Objekte, welche nicht existieren oder nicht gebraucht werden</a:t>
             </a:r>
           </a:p>
           <a:p>
@@ -37528,7 +37528,7 @@
                   <a:schemeClr val="tx2"/>
                 </a:solidFill>
               </a:rPr>
-              <a:t>Kein Datenbankprovider verwenden -&gt; Funktionalität selber schreiben</a:t>
+              <a:t>Keinen Datenbankprovider verwenden -&gt; Funktionalität selber schreiben</a:t>
             </a:r>
           </a:p>
           <a:p>
